--- a/27.08.2022_5.pptx
+++ b/27.08.2022_5.pptx
@@ -211,7 +211,7 @@
           <a:p>
             <a:fld id="{151299C4-0FA2-42C7-8E7A-443DF9BE88DC}" type="datetimeFigureOut">
               <a:rPr lang="en-US" smtClean="0"/>
-              <a:t>7/27/2022</a:t>
+              <a:t>7/29/2022</a:t>
             </a:fld>
             <a:endParaRPr lang="en-US"/>
           </a:p>
@@ -705,7 +705,7 @@
           <a:p>
             <a:fld id="{CA9DB9D4-0DAC-4894-9B9F-6BCF5A43A701}" type="datetime1">
               <a:rPr lang="en-US" smtClean="0"/>
-              <a:t>7/27/2022</a:t>
+              <a:t>7/29/2022</a:t>
             </a:fld>
             <a:endParaRPr lang="en-US"/>
           </a:p>
@@ -917,7 +917,7 @@
           <a:p>
             <a:fld id="{C121EF9E-143F-4E82-8199-152DD839D58E}" type="datetime1">
               <a:rPr lang="en-US" smtClean="0"/>
-              <a:t>7/27/2022</a:t>
+              <a:t>7/29/2022</a:t>
             </a:fld>
             <a:endParaRPr lang="en-US"/>
           </a:p>
@@ -1177,7 +1177,7 @@
           <a:p>
             <a:fld id="{6319F615-D333-48EC-8AEC-F88DB4AF705B}" type="datetime1">
               <a:rPr lang="en-US" smtClean="0"/>
-              <a:t>7/27/2022</a:t>
+              <a:t>7/29/2022</a:t>
             </a:fld>
             <a:endParaRPr lang="en-US"/>
           </a:p>
@@ -1355,7 +1355,7 @@
           <a:p>
             <a:fld id="{3D45FDD3-8F25-49DE-A270-13F6FBA7775A}" type="datetime1">
               <a:rPr lang="en-US" smtClean="0"/>
-              <a:t>7/27/2022</a:t>
+              <a:t>7/29/2022</a:t>
             </a:fld>
             <a:endParaRPr lang="en-US"/>
           </a:p>
@@ -1702,7 +1702,7 @@
           <a:p>
             <a:fld id="{9373A18A-5AB5-400D-A0B4-411CE49B3D1E}" type="datetime1">
               <a:rPr lang="en-US" smtClean="0"/>
-              <a:t>7/27/2022</a:t>
+              <a:t>7/29/2022</a:t>
             </a:fld>
             <a:endParaRPr lang="en-US"/>
           </a:p>
@@ -1981,7 +1981,7 @@
           <a:p>
             <a:fld id="{B1CBE10F-AEA0-4AD4-8FA3-D49E46AD9DA9}" type="datetime1">
               <a:rPr lang="en-US" smtClean="0"/>
-              <a:t>7/27/2022</a:t>
+              <a:t>7/29/2022</a:t>
             </a:fld>
             <a:endParaRPr lang="en-US"/>
           </a:p>
@@ -2364,7 +2364,7 @@
           <a:p>
             <a:fld id="{6DFDBC87-B96E-4482-A5F0-E796CF9602D9}" type="datetime1">
               <a:rPr lang="en-US" smtClean="0"/>
-              <a:t>7/27/2022</a:t>
+              <a:t>7/29/2022</a:t>
             </a:fld>
             <a:endParaRPr lang="en-US"/>
           </a:p>
@@ -2486,7 +2486,7 @@
           <a:p>
             <a:fld id="{17F11E3D-6CFC-4BB4-8A46-8D7F8F1260D6}" type="datetime1">
               <a:rPr lang="en-US" smtClean="0"/>
-              <a:t>7/27/2022</a:t>
+              <a:t>7/29/2022</a:t>
             </a:fld>
             <a:endParaRPr lang="en-US"/>
           </a:p>
@@ -2661,7 +2661,7 @@
           <a:p>
             <a:fld id="{6FE5E7AA-2493-4782-A372-A2AD52F7B803}" type="datetime1">
               <a:rPr lang="en-US" smtClean="0"/>
-              <a:t>7/27/2022</a:t>
+              <a:t>7/29/2022</a:t>
             </a:fld>
             <a:endParaRPr lang="en-US"/>
           </a:p>
@@ -3019,7 +3019,7 @@
           <a:p>
             <a:fld id="{C75AA4AA-6B19-41EA-80C9-FA4359D1FA31}" type="datetime1">
               <a:rPr lang="en-US" smtClean="0"/>
-              <a:t>7/27/2022</a:t>
+              <a:t>7/29/2022</a:t>
             </a:fld>
             <a:endParaRPr lang="en-US"/>
           </a:p>
@@ -3405,7 +3405,7 @@
           <a:p>
             <a:fld id="{B58AED7C-BBAF-4D14-B4AA-3341758638D4}" type="datetime1">
               <a:rPr lang="en-US" smtClean="0"/>
-              <a:t>7/27/2022</a:t>
+              <a:t>7/29/2022</a:t>
             </a:fld>
             <a:endParaRPr lang="en-US"/>
           </a:p>
@@ -3696,7 +3696,7 @@
           <a:p>
             <a:fld id="{3C009A59-8919-4946-BF3A-4124CF66BD72}" type="datetime1">
               <a:rPr lang="en-US" smtClean="0"/>
-              <a:t>7/27/2022</a:t>
+              <a:t>7/29/2022</a:t>
             </a:fld>
             <a:endParaRPr lang="en-US"/>
           </a:p>
